--- a/Powerpoint NodeJS.pptx
+++ b/Powerpoint NodeJS.pptx
@@ -206,7 +206,7 @@
           <a:p>
             <a:fld id="{E3B49D18-4E75-534A-AAC7-28CD68371BA4}" type="datetimeFigureOut">
               <a:rPr lang="en-US" smtClean="0"/>
-              <a:t>2/12/18</a:t>
+              <a:t>11/14/18</a:t>
             </a:fld>
             <a:endParaRPr lang="en-US"/>
           </a:p>
@@ -3346,7 +3346,7 @@
           <a:p>
             <a:fld id="{DE8C6FF2-B807-F044-AD9E-FB92E960EDC7}" type="datetimeFigureOut">
               <a:rPr lang="en-US" smtClean="0"/>
-              <a:t>2/12/18</a:t>
+              <a:t>11/14/18</a:t>
             </a:fld>
             <a:endParaRPr lang="en-US"/>
           </a:p>
@@ -3516,7 +3516,7 @@
           <a:p>
             <a:fld id="{DE8C6FF2-B807-F044-AD9E-FB92E960EDC7}" type="datetimeFigureOut">
               <a:rPr lang="en-US" smtClean="0"/>
-              <a:t>2/12/18</a:t>
+              <a:t>11/14/18</a:t>
             </a:fld>
             <a:endParaRPr lang="en-US"/>
           </a:p>
@@ -3696,7 +3696,7 @@
           <a:p>
             <a:fld id="{DE8C6FF2-B807-F044-AD9E-FB92E960EDC7}" type="datetimeFigureOut">
               <a:rPr lang="en-US" smtClean="0"/>
-              <a:t>2/12/18</a:t>
+              <a:t>11/14/18</a:t>
             </a:fld>
             <a:endParaRPr lang="en-US"/>
           </a:p>
@@ -3866,7 +3866,7 @@
           <a:p>
             <a:fld id="{DE8C6FF2-B807-F044-AD9E-FB92E960EDC7}" type="datetimeFigureOut">
               <a:rPr lang="en-US" smtClean="0"/>
-              <a:t>2/12/18</a:t>
+              <a:t>11/14/18</a:t>
             </a:fld>
             <a:endParaRPr lang="en-US"/>
           </a:p>
@@ -4112,7 +4112,7 @@
           <a:p>
             <a:fld id="{DE8C6FF2-B807-F044-AD9E-FB92E960EDC7}" type="datetimeFigureOut">
               <a:rPr lang="en-US" smtClean="0"/>
-              <a:t>2/12/18</a:t>
+              <a:t>11/14/18</a:t>
             </a:fld>
             <a:endParaRPr lang="en-US"/>
           </a:p>
@@ -4344,7 +4344,7 @@
           <a:p>
             <a:fld id="{DE8C6FF2-B807-F044-AD9E-FB92E960EDC7}" type="datetimeFigureOut">
               <a:rPr lang="en-US" smtClean="0"/>
-              <a:t>2/12/18</a:t>
+              <a:t>11/14/18</a:t>
             </a:fld>
             <a:endParaRPr lang="en-US"/>
           </a:p>
@@ -4711,7 +4711,7 @@
           <a:p>
             <a:fld id="{DE8C6FF2-B807-F044-AD9E-FB92E960EDC7}" type="datetimeFigureOut">
               <a:rPr lang="en-US" smtClean="0"/>
-              <a:t>2/12/18</a:t>
+              <a:t>11/14/18</a:t>
             </a:fld>
             <a:endParaRPr lang="en-US"/>
           </a:p>
@@ -4829,7 +4829,7 @@
           <a:p>
             <a:fld id="{DE8C6FF2-B807-F044-AD9E-FB92E960EDC7}" type="datetimeFigureOut">
               <a:rPr lang="en-US" smtClean="0"/>
-              <a:t>2/12/18</a:t>
+              <a:t>11/14/18</a:t>
             </a:fld>
             <a:endParaRPr lang="en-US"/>
           </a:p>
@@ -4924,7 +4924,7 @@
           <a:p>
             <a:fld id="{DE8C6FF2-B807-F044-AD9E-FB92E960EDC7}" type="datetimeFigureOut">
               <a:rPr lang="en-US" smtClean="0"/>
-              <a:t>2/12/18</a:t>
+              <a:t>11/14/18</a:t>
             </a:fld>
             <a:endParaRPr lang="en-US"/>
           </a:p>
@@ -5201,7 +5201,7 @@
           <a:p>
             <a:fld id="{DE8C6FF2-B807-F044-AD9E-FB92E960EDC7}" type="datetimeFigureOut">
               <a:rPr lang="en-US" smtClean="0"/>
-              <a:t>2/12/18</a:t>
+              <a:t>11/14/18</a:t>
             </a:fld>
             <a:endParaRPr lang="en-US"/>
           </a:p>
@@ -5454,7 +5454,7 @@
           <a:p>
             <a:fld id="{DE8C6FF2-B807-F044-AD9E-FB92E960EDC7}" type="datetimeFigureOut">
               <a:rPr lang="en-US" smtClean="0"/>
-              <a:t>2/12/18</a:t>
+              <a:t>11/14/18</a:t>
             </a:fld>
             <a:endParaRPr lang="en-US"/>
           </a:p>
@@ -5667,7 +5667,7 @@
           <a:p>
             <a:fld id="{DE8C6FF2-B807-F044-AD9E-FB92E960EDC7}" type="datetimeFigureOut">
               <a:rPr lang="en-US" smtClean="0"/>
-              <a:t>2/12/18</a:t>
+              <a:t>11/14/18</a:t>
             </a:fld>
             <a:endParaRPr lang="en-US"/>
           </a:p>
@@ -6116,7 +6116,7 @@
           <a:p>
             <a:r>
               <a:rPr lang="en-US" dirty="0" err="1" smtClean="0"/>
-              <a:t>GandrungStudio.com</a:t>
+              <a:t>MedioCademy.com</a:t>
             </a:r>
             <a:endParaRPr lang="en-US" dirty="0"/>
           </a:p>
